--- a/lectures/autonomy.pptx
+++ b/lectures/autonomy.pptx
@@ -287,7 +287,7 @@
             <a:fld id="{9CE54678-5342-BB4C-B084-88714069323C}" type="datetimeFigureOut">
               <a:rPr lang="en-US" smtClean="0"/>
               <a:pPr/>
-              <a:t>9/10/18</a:t>
+              <a:t>2/5/20</a:t>
             </a:fld>
             <a:endParaRPr lang="en-US"/>
           </a:p>
@@ -7072,7 +7072,7 @@
         <p:spPr/>
         <p:txBody>
           <a:bodyPr>
-            <a:normAutofit lnSpcReduction="10000"/>
+            <a:normAutofit fontScale="70000" lnSpcReduction="20000"/>
           </a:bodyPr>
           <a:lstStyle/>
           <a:p>
@@ -7773,7 +7773,7 @@
         <p:spPr/>
         <p:txBody>
           <a:bodyPr>
-            <a:normAutofit lnSpcReduction="10000"/>
+            <a:normAutofit fontScale="77500" lnSpcReduction="20000"/>
           </a:bodyPr>
           <a:lstStyle/>
           <a:p>
@@ -7972,7 +7972,7 @@
         <p:spPr/>
         <p:txBody>
           <a:bodyPr>
-            <a:normAutofit lnSpcReduction="10000"/>
+            <a:normAutofit/>
           </a:bodyPr>
           <a:lstStyle/>
           <a:p>
@@ -8081,7 +8081,7 @@
         <p:spPr/>
         <p:txBody>
           <a:bodyPr>
-            <a:normAutofit lnSpcReduction="10000"/>
+            <a:normAutofit/>
           </a:bodyPr>
           <a:lstStyle/>
           <a:p>
@@ -8421,7 +8421,7 @@
         <p:spPr/>
         <p:txBody>
           <a:bodyPr>
-            <a:normAutofit lnSpcReduction="10000"/>
+            <a:normAutofit/>
           </a:bodyPr>
           <a:lstStyle/>
           <a:p>
@@ -9482,7 +9482,7 @@
             <a:fld id="{9EAB76B8-A367-A042-886D-5BBB714D22C3}" type="datetimeFigureOut">
               <a:rPr lang="en-US" smtClean="0"/>
               <a:pPr/>
-              <a:t>9/10/18</a:t>
+              <a:t>2/5/20</a:t>
             </a:fld>
             <a:endParaRPr lang="en-US"/>
           </a:p>
@@ -9647,7 +9647,7 @@
             <a:fld id="{9EAB76B8-A367-A042-886D-5BBB714D22C3}" type="datetimeFigureOut">
               <a:rPr lang="en-US" smtClean="0"/>
               <a:pPr/>
-              <a:t>9/10/18</a:t>
+              <a:t>2/5/20</a:t>
             </a:fld>
             <a:endParaRPr lang="en-US"/>
           </a:p>
@@ -9822,7 +9822,7 @@
             <a:fld id="{9EAB76B8-A367-A042-886D-5BBB714D22C3}" type="datetimeFigureOut">
               <a:rPr lang="en-US" smtClean="0"/>
               <a:pPr/>
-              <a:t>9/10/18</a:t>
+              <a:t>2/5/20</a:t>
             </a:fld>
             <a:endParaRPr lang="en-US"/>
           </a:p>
@@ -9987,7 +9987,7 @@
             <a:fld id="{9EAB76B8-A367-A042-886D-5BBB714D22C3}" type="datetimeFigureOut">
               <a:rPr lang="en-US" smtClean="0"/>
               <a:pPr/>
-              <a:t>9/10/18</a:t>
+              <a:t>2/5/20</a:t>
             </a:fld>
             <a:endParaRPr lang="en-US"/>
           </a:p>
@@ -10229,7 +10229,7 @@
             <a:fld id="{9EAB76B8-A367-A042-886D-5BBB714D22C3}" type="datetimeFigureOut">
               <a:rPr lang="en-US" smtClean="0"/>
               <a:pPr/>
-              <a:t>9/10/18</a:t>
+              <a:t>2/5/20</a:t>
             </a:fld>
             <a:endParaRPr lang="en-US"/>
           </a:p>
@@ -10511,7 +10511,7 @@
             <a:fld id="{9EAB76B8-A367-A042-886D-5BBB714D22C3}" type="datetimeFigureOut">
               <a:rPr lang="en-US" smtClean="0"/>
               <a:pPr/>
-              <a:t>9/10/18</a:t>
+              <a:t>2/5/20</a:t>
             </a:fld>
             <a:endParaRPr lang="en-US"/>
           </a:p>
@@ -10927,7 +10927,7 @@
             <a:fld id="{9EAB76B8-A367-A042-886D-5BBB714D22C3}" type="datetimeFigureOut">
               <a:rPr lang="en-US" smtClean="0"/>
               <a:pPr/>
-              <a:t>9/10/18</a:t>
+              <a:t>2/5/20</a:t>
             </a:fld>
             <a:endParaRPr lang="en-US"/>
           </a:p>
@@ -11041,7 +11041,7 @@
             <a:fld id="{9EAB76B8-A367-A042-886D-5BBB714D22C3}" type="datetimeFigureOut">
               <a:rPr lang="en-US" smtClean="0"/>
               <a:pPr/>
-              <a:t>9/10/18</a:t>
+              <a:t>2/5/20</a:t>
             </a:fld>
             <a:endParaRPr lang="en-US"/>
           </a:p>
@@ -11133,7 +11133,7 @@
             <a:fld id="{9EAB76B8-A367-A042-886D-5BBB714D22C3}" type="datetimeFigureOut">
               <a:rPr lang="en-US" smtClean="0"/>
               <a:pPr/>
-              <a:t>9/10/18</a:t>
+              <a:t>2/5/20</a:t>
             </a:fld>
             <a:endParaRPr lang="en-US"/>
           </a:p>
@@ -11405,7 +11405,7 @@
             <a:fld id="{9EAB76B8-A367-A042-886D-5BBB714D22C3}" type="datetimeFigureOut">
               <a:rPr lang="en-US" smtClean="0"/>
               <a:pPr/>
-              <a:t>9/10/18</a:t>
+              <a:t>2/5/20</a:t>
             </a:fld>
             <a:endParaRPr lang="en-US"/>
           </a:p>
@@ -11654,7 +11654,7 @@
             <a:fld id="{9EAB76B8-A367-A042-886D-5BBB714D22C3}" type="datetimeFigureOut">
               <a:rPr lang="en-US" smtClean="0"/>
               <a:pPr/>
-              <a:t>9/10/18</a:t>
+              <a:t>2/5/20</a:t>
             </a:fld>
             <a:endParaRPr lang="en-US"/>
           </a:p>
@@ -11862,7 +11862,7 @@
             <a:fld id="{9EAB76B8-A367-A042-886D-5BBB714D22C3}" type="datetimeFigureOut">
               <a:rPr lang="en-US" smtClean="0"/>
               <a:pPr/>
-              <a:t>9/10/18</a:t>
+              <a:t>2/5/20</a:t>
             </a:fld>
             <a:endParaRPr lang="en-US"/>
           </a:p>
@@ -18951,22 +18951,22 @@
           <a:p>
             <a:pPr eaLnBrk="1" hangingPunct="1"/>
             <a:r>
-              <a:rPr lang="en-US"/>
+              <a:rPr lang="en-US" dirty="0"/>
               <a:t>2</a:t>
             </a:r>
             <a:r>
-              <a:rPr lang="en-US" baseline="30000"/>
+              <a:rPr lang="en-US" baseline="30000" dirty="0"/>
               <a:t>nd</a:t>
             </a:r>
             <a:r>
-              <a:rPr lang="en-US"/>
+              <a:rPr lang="en-US" dirty="0"/>
               <a:t> Order Desires in general</a:t>
             </a:r>
           </a:p>
           <a:p>
             <a:pPr lvl="1" eaLnBrk="1" hangingPunct="1"/>
             <a:r>
-              <a:rPr lang="en-US"/>
+              <a:rPr lang="en-US" dirty="0"/>
               <a:t>“Someone has a desire of the second-order either when he wants simply to have a certain desire or when he wants [wholeheartedly] a certain desire to be his will.”</a:t>
             </a:r>
           </a:p>
@@ -18975,24 +18975,24 @@
               <a:buFont typeface="Wingdings" pitchFamily="2" charset="2"/>
               <a:buNone/>
             </a:pPr>
-            <a:endParaRPr lang="en-US"/>
+            <a:endParaRPr lang="en-US" dirty="0"/>
           </a:p>
           <a:p>
             <a:pPr eaLnBrk="1" hangingPunct="1"/>
             <a:r>
-              <a:rPr lang="en-US" u="sng"/>
+              <a:rPr lang="en-US" u="sng" dirty="0"/>
               <a:t>2</a:t>
             </a:r>
             <a:r>
-              <a:rPr lang="en-US" u="sng" baseline="30000"/>
+              <a:rPr lang="en-US" u="sng" baseline="30000" dirty="0"/>
               <a:t>nd</a:t>
             </a:r>
             <a:r>
-              <a:rPr lang="en-US" u="sng"/>
+              <a:rPr lang="en-US" u="sng" dirty="0"/>
               <a:t> Order Volition</a:t>
             </a:r>
             <a:r>
-              <a:rPr lang="en-US"/>
+              <a:rPr lang="en-US" dirty="0"/>
               <a:t>: A desire that a desire be one’s will.</a:t>
             </a:r>
           </a:p>
